--- a/team-14/Inteligentní řízení semaforů.pptx
+++ b/team-14/Inteligentní řízení semaforů.pptx
@@ -12690,7 +12690,22 @@
           <a:bodyPr/>
           <a:lstStyle/>
           <a:p>
-            <a:endParaRPr lang="cs-CZ" dirty="0"/>
+            <a:r>
+              <a:rPr lang="cs-CZ" dirty="0"/>
+              <a:t>Detekce aut, chodců na přechodech</a:t>
+            </a:r>
+          </a:p>
+          <a:p>
+            <a:r>
+              <a:rPr lang="cs-CZ" dirty="0"/>
+              <a:t>Vyhodnocení zatížení křižovatky</a:t>
+            </a:r>
+          </a:p>
+          <a:p>
+            <a:r>
+              <a:rPr lang="cs-CZ" dirty="0"/>
+              <a:t>Optimální řízení provozu</a:t>
+            </a:r>
           </a:p>
         </p:txBody>
       </p:sp>
@@ -12911,7 +12926,11 @@
           <a:bodyPr/>
           <a:lstStyle/>
           <a:p>
-            <a:endParaRPr lang="cs-CZ"/>
+            <a:r>
+              <a:rPr lang="cs-CZ" dirty="0" err="1"/>
+              <a:t>Progress</a:t>
+            </a:r>
+            <a:endParaRPr lang="cs-CZ" dirty="0"/>
           </a:p>
         </p:txBody>
       </p:sp>
@@ -12932,7 +12951,7 @@
           <a:p>
             <a:r>
               <a:rPr lang="cs-CZ" dirty="0"/>
-              <a:t>22 –importovány knihovny </a:t>
+              <a:t>22h –importovány knihovny </a:t>
             </a:r>
             <a:r>
               <a:rPr lang="cs-CZ" dirty="0" err="1"/>
@@ -12940,7 +12959,22 @@
             </a:r>
             <a:r>
               <a:rPr lang="cs-CZ" dirty="0"/>
-              <a:t>, přechod z </a:t>
+              <a:t>, jazyk </a:t>
+            </a:r>
+            <a:r>
+              <a:rPr lang="cs-CZ" dirty="0" err="1"/>
+              <a:t>java</a:t>
+            </a:r>
+            <a:endParaRPr lang="cs-CZ" dirty="0"/>
+          </a:p>
+          <a:p>
+            <a:r>
+              <a:rPr lang="cs-CZ" dirty="0"/>
+              <a:t>21h- </a:t>
+            </a:r>
+            <a:r>
+              <a:rPr lang="cs-CZ" dirty="0"/>
+              <a:t>přechod z </a:t>
             </a:r>
             <a:r>
               <a:rPr lang="cs-CZ" dirty="0" err="1"/>
@@ -12948,8 +12982,37 @@
             </a:r>
             <a:r>
               <a:rPr lang="cs-CZ" dirty="0"/>
-              <a:t> do c</a:t>
+              <a:t> do C, komplikace spuštění </a:t>
             </a:r>
+            <a:r>
+              <a:rPr lang="cs-CZ" dirty="0" err="1"/>
+              <a:t>openCV</a:t>
+            </a:r>
+            <a:endParaRPr lang="cs-CZ" dirty="0"/>
+          </a:p>
+          <a:p>
+            <a:r>
+              <a:rPr lang="cs-CZ"/>
+              <a:t>20h </a:t>
+            </a:r>
+            <a:r>
+              <a:rPr lang="cs-CZ" dirty="0"/>
+              <a:t>– konečně zkompilováno </a:t>
+            </a:r>
+            <a:r>
+              <a:rPr lang="cs-CZ" dirty="0" err="1"/>
+              <a:t>opencv</a:t>
+            </a:r>
+            <a:r>
+              <a:rPr lang="cs-CZ" dirty="0"/>
+              <a:t> a hurá do práce!</a:t>
+            </a:r>
+          </a:p>
+          <a:p>
+            <a:endParaRPr lang="cs-CZ" dirty="0"/>
+          </a:p>
+          <a:p>
+            <a:endParaRPr lang="cs-CZ" dirty="0"/>
           </a:p>
         </p:txBody>
       </p:sp>

--- a/team-14/Inteligentní řízení semaforů.pptx
+++ b/team-14/Inteligentní řízení semaforů.pptx
@@ -7,8 +7,8 @@
   <p:sldIdLst>
     <p:sldId id="256" r:id="rId2"/>
     <p:sldId id="261" r:id="rId3"/>
-    <p:sldId id="260" r:id="rId4"/>
-    <p:sldId id="257" r:id="rId5"/>
+    <p:sldId id="257" r:id="rId4"/>
+    <p:sldId id="260" r:id="rId5"/>
     <p:sldId id="258" r:id="rId6"/>
     <p:sldId id="259" r:id="rId7"/>
   </p:sldIdLst>
@@ -12670,7 +12670,7 @@
           <a:p>
             <a:r>
               <a:rPr lang="cs-CZ" dirty="0"/>
-              <a:t>řešení</a:t>
+              <a:t>cílem</a:t>
             </a:r>
           </a:p>
         </p:txBody>
@@ -12692,27 +12692,57 @@
           <a:p>
             <a:r>
               <a:rPr lang="cs-CZ" dirty="0"/>
-              <a:t>Detekce aut, chodců na přechodech</a:t>
+              <a:t>Počítání projetých aut</a:t>
             </a:r>
           </a:p>
           <a:p>
             <a:r>
               <a:rPr lang="cs-CZ" dirty="0"/>
-              <a:t>Vyhodnocení zatížení křižovatky</a:t>
+              <a:t>Řízení semaforů podle provozu</a:t>
             </a:r>
           </a:p>
           <a:p>
-            <a:r>
-              <a:rPr lang="cs-CZ" dirty="0"/>
-              <a:t>Optimální řízení provozu</a:t>
-            </a:r>
+            <a:endParaRPr lang="cs-CZ" dirty="0"/>
+          </a:p>
+          <a:p>
+            <a:endParaRPr lang="cs-CZ" dirty="0"/>
+          </a:p>
+          <a:p>
+            <a:endParaRPr lang="cs-CZ" dirty="0"/>
+          </a:p>
+          <a:p>
+            <a:endParaRPr lang="cs-CZ" dirty="0"/>
           </a:p>
         </p:txBody>
       </p:sp>
+      <p:pic>
+        <p:nvPicPr>
+          <p:cNvPr id="4" name="Obrázek 3"/>
+          <p:cNvPicPr>
+            <a:picLocks noChangeAspect="1"/>
+          </p:cNvPicPr>
+          <p:nvPr/>
+        </p:nvPicPr>
+        <p:blipFill>
+          <a:blip r:embed="rId2"/>
+          <a:stretch>
+            <a:fillRect/>
+          </a:stretch>
+        </p:blipFill>
+        <p:spPr>
+          <a:xfrm>
+            <a:off x="5562046" y="2249487"/>
+            <a:ext cx="6086475" cy="4057650"/>
+          </a:xfrm>
+          <a:prstGeom prst="rect">
+            <a:avLst/>
+          </a:prstGeom>
+        </p:spPr>
+      </p:pic>
     </p:spTree>
     <p:extLst>
       <p:ext uri="{BB962C8B-B14F-4D97-AF65-F5344CB8AC3E}">
-        <p14:creationId xmlns:p14="http://schemas.microsoft.com/office/powerpoint/2010/main" val="2293116994"/>
+        <p14:creationId xmlns:p14="http://schemas.microsoft.com/office/powerpoint/2010/main" val="3160914134"/>
       </p:ext>
     </p:extLst>
   </p:cSld>
@@ -12756,7 +12786,7 @@
           <a:p>
             <a:r>
               <a:rPr lang="cs-CZ" dirty="0"/>
-              <a:t>cílem</a:t>
+              <a:t>řešení</a:t>
             </a:r>
           </a:p>
         </p:txBody>
@@ -12778,33 +12808,27 @@
           <a:p>
             <a:r>
               <a:rPr lang="cs-CZ" dirty="0"/>
-              <a:t>Počítání projetých aut</a:t>
+              <a:t>Detekce aut, chodců na přechodech</a:t>
             </a:r>
           </a:p>
           <a:p>
             <a:r>
               <a:rPr lang="cs-CZ" dirty="0"/>
-              <a:t>Řízení semaforu podle provozu</a:t>
+              <a:t>Vyhodnocení zatížení křižovatky</a:t>
             </a:r>
           </a:p>
           <a:p>
-            <a:endParaRPr lang="cs-CZ" dirty="0"/>
-          </a:p>
-          <a:p>
-            <a:endParaRPr lang="cs-CZ" dirty="0"/>
-          </a:p>
-          <a:p>
-            <a:endParaRPr lang="cs-CZ" dirty="0"/>
-          </a:p>
-          <a:p>
-            <a:endParaRPr lang="cs-CZ" dirty="0"/>
+            <a:r>
+              <a:rPr lang="cs-CZ" dirty="0"/>
+              <a:t>Optimální řízení provozu</a:t>
+            </a:r>
           </a:p>
         </p:txBody>
       </p:sp>
     </p:spTree>
     <p:extLst>
       <p:ext uri="{BB962C8B-B14F-4D97-AF65-F5344CB8AC3E}">
-        <p14:creationId xmlns:p14="http://schemas.microsoft.com/office/powerpoint/2010/main" val="3160914134"/>
+        <p14:creationId xmlns:p14="http://schemas.microsoft.com/office/powerpoint/2010/main" val="2293116994"/>
       </p:ext>
     </p:extLst>
   </p:cSld>
@@ -12877,6 +12901,12 @@
             <a:r>
               <a:rPr lang="cs-CZ" dirty="0"/>
               <a:t>Prototyp inteligentně řízených semaforů na základě provozu</a:t>
+            </a:r>
+          </a:p>
+          <a:p>
+            <a:r>
+              <a:rPr lang="cs-CZ" dirty="0"/>
+              <a:t>Inteligentní řízení přechodů</a:t>
             </a:r>
           </a:p>
         </p:txBody>
@@ -12944,9 +12974,16 @@
             <p:ph idx="1"/>
           </p:nvPr>
         </p:nvSpPr>
-        <p:spPr/>
+        <p:spPr>
+          <a:xfrm>
+            <a:off x="1141412" y="1872343"/>
+            <a:ext cx="9905999" cy="4775200"/>
+          </a:xfrm>
+        </p:spPr>
         <p:txBody>
-          <a:bodyPr/>
+          <a:bodyPr>
+            <a:normAutofit/>
+          </a:bodyPr>
           <a:lstStyle/>
           <a:p>
             <a:r>
@@ -12992,12 +13029,8 @@
           </a:p>
           <a:p>
             <a:r>
-              <a:rPr lang="cs-CZ"/>
-              <a:t>20h </a:t>
-            </a:r>
-            <a:r>
               <a:rPr lang="cs-CZ" dirty="0"/>
-              <a:t>– konečně zkompilováno </a:t>
+              <a:t>20h – konečně zkompilováno </a:t>
             </a:r>
             <a:r>
               <a:rPr lang="cs-CZ" dirty="0" err="1"/>
@@ -13006,6 +13039,43 @@
             <a:r>
               <a:rPr lang="cs-CZ" dirty="0"/>
               <a:t> a hurá do práce!</a:t>
+            </a:r>
+          </a:p>
+          <a:p>
+            <a:r>
+              <a:rPr lang="cs-CZ" dirty="0"/>
+              <a:t>19,5h –večeře</a:t>
+            </a:r>
+          </a:p>
+          <a:p>
+            <a:r>
+              <a:rPr lang="cs-CZ" dirty="0"/>
+              <a:t>19h –psaní kódu, logika křižovatky, detekování aut</a:t>
+            </a:r>
+          </a:p>
+          <a:p>
+            <a:r>
+              <a:rPr lang="cs-CZ" dirty="0"/>
+              <a:t>18h - zjištěna  funkčnost </a:t>
+            </a:r>
+            <a:r>
+              <a:rPr lang="cs-CZ" dirty="0" err="1"/>
+              <a:t>githubu</a:t>
+            </a:r>
+            <a:endParaRPr lang="cs-CZ" dirty="0"/>
+          </a:p>
+          <a:p>
+            <a:r>
+              <a:rPr lang="cs-CZ" dirty="0"/>
+              <a:t>17,30- framework </a:t>
+            </a:r>
+            <a:r>
+              <a:rPr lang="cs-CZ" dirty="0" err="1"/>
+              <a:t>gui</a:t>
+            </a:r>
+            <a:r>
+              <a:rPr lang="cs-CZ" dirty="0"/>
+              <a:t> C, hledání objektů</a:t>
             </a:r>
           </a:p>
           <a:p>

--- a/team-14/Inteligentní řízení semaforů.pptx
+++ b/team-14/Inteligentní řízení semaforů.pptx
@@ -9,8 +9,9 @@
     <p:sldId id="261" r:id="rId3"/>
     <p:sldId id="257" r:id="rId4"/>
     <p:sldId id="260" r:id="rId5"/>
-    <p:sldId id="258" r:id="rId6"/>
-    <p:sldId id="259" r:id="rId7"/>
+    <p:sldId id="263" r:id="rId6"/>
+    <p:sldId id="262" r:id="rId7"/>
+    <p:sldId id="259" r:id="rId8"/>
   </p:sldIdLst>
   <p:sldSz cx="12192000" cy="6858000"/>
   <p:notesSz cx="6858000" cy="9144000"/>
@@ -12692,16 +12693,22 @@
           <a:p>
             <a:r>
               <a:rPr lang="cs-CZ" dirty="0"/>
-              <a:t>Počítání projetých aut</a:t>
+              <a:t>Řízení semaforů podle provozu</a:t>
             </a:r>
           </a:p>
           <a:p>
             <a:r>
               <a:rPr lang="cs-CZ" dirty="0"/>
-              <a:t>Řízení semaforů podle provozu</a:t>
-            </a:r>
-          </a:p>
-          <a:p>
+              <a:t>Optimalizovaná plynulejší doprava </a:t>
+            </a:r>
+          </a:p>
+          <a:p>
+            <a:endParaRPr lang="cs-CZ" dirty="0"/>
+          </a:p>
+          <a:p>
+            <a:pPr marL="0" indent="0">
+              <a:buNone/>
+            </a:pPr>
             <a:endParaRPr lang="cs-CZ" dirty="0"/>
           </a:p>
           <a:p>
@@ -12731,7 +12738,7 @@
         </p:blipFill>
         <p:spPr>
           <a:xfrm>
-            <a:off x="5562046" y="2249487"/>
+            <a:off x="5852331" y="2249487"/>
             <a:ext cx="6086475" cy="4057650"/>
           </a:xfrm>
           <a:prstGeom prst="rect">
@@ -12872,7 +12879,7 @@
           <a:p>
             <a:r>
               <a:rPr lang="cs-CZ" dirty="0"/>
-              <a:t>Výstupem</a:t>
+              <a:t>rozšiřitelnost</a:t>
             </a:r>
           </a:p>
         </p:txBody>
@@ -12894,27 +12901,42 @@
           <a:p>
             <a:r>
               <a:rPr lang="cs-CZ" dirty="0"/>
-              <a:t>Java/C  aplikace</a:t>
+              <a:t>Monitoring zátěže provozu</a:t>
             </a:r>
           </a:p>
           <a:p>
             <a:r>
               <a:rPr lang="cs-CZ" dirty="0"/>
-              <a:t>Prototyp inteligentně řízených semaforů na základě provozu</a:t>
+              <a:t>Záchranné sbory</a:t>
             </a:r>
           </a:p>
           <a:p>
             <a:r>
               <a:rPr lang="cs-CZ" dirty="0"/>
-              <a:t>Inteligentní řízení přechodů</a:t>
-            </a:r>
+              <a:t>Propojení s dopravním informačním systémem</a:t>
+            </a:r>
+          </a:p>
+          <a:p>
+            <a:r>
+              <a:rPr lang="cs-CZ" dirty="0"/>
+              <a:t>Začlenění umělé inteligence</a:t>
+            </a:r>
+          </a:p>
+          <a:p>
+            <a:endParaRPr lang="cs-CZ" dirty="0"/>
+          </a:p>
+          <a:p>
+            <a:endParaRPr lang="cs-CZ" dirty="0"/>
+          </a:p>
+          <a:p>
+            <a:endParaRPr lang="cs-CZ" dirty="0"/>
           </a:p>
         </p:txBody>
       </p:sp>
     </p:spTree>
     <p:extLst>
       <p:ext uri="{BB962C8B-B14F-4D97-AF65-F5344CB8AC3E}">
-        <p14:creationId xmlns:p14="http://schemas.microsoft.com/office/powerpoint/2010/main" val="2436714461"/>
+        <p14:creationId xmlns:p14="http://schemas.microsoft.com/office/powerpoint/2010/main" val="3631407095"/>
       </p:ext>
     </p:extLst>
   </p:cSld>
@@ -12957,6 +12979,101 @@
           <a:lstStyle/>
           <a:p>
             <a:r>
+              <a:rPr lang="cs-CZ" dirty="0"/>
+              <a:t>Výsledek pro uživatele</a:t>
+            </a:r>
+          </a:p>
+        </p:txBody>
+      </p:sp>
+      <p:sp>
+        <p:nvSpPr>
+          <p:cNvPr id="3" name="Zástupný symbol pro obsah 2"/>
+          <p:cNvSpPr>
+            <a:spLocks noGrp="1"/>
+          </p:cNvSpPr>
+          <p:nvPr>
+            <p:ph idx="1"/>
+          </p:nvPr>
+        </p:nvSpPr>
+        <p:spPr/>
+        <p:txBody>
+          <a:bodyPr/>
+          <a:lstStyle/>
+          <a:p>
+            <a:r>
+              <a:rPr lang="cs-CZ" dirty="0"/>
+              <a:t>Plynulejší doprava</a:t>
+            </a:r>
+          </a:p>
+          <a:p>
+            <a:r>
+              <a:rPr lang="cs-CZ" dirty="0"/>
+              <a:t>Méně výfukových plynů</a:t>
+            </a:r>
+          </a:p>
+          <a:p>
+            <a:r>
+              <a:rPr lang="cs-CZ" dirty="0"/>
+              <a:t>Inteligentní řízení semaforů i přechodů</a:t>
+            </a:r>
+          </a:p>
+          <a:p>
+            <a:pPr marL="0" indent="0">
+              <a:buNone/>
+            </a:pPr>
+            <a:endParaRPr lang="cs-CZ" dirty="0"/>
+          </a:p>
+          <a:p>
+            <a:endParaRPr lang="cs-CZ" dirty="0"/>
+          </a:p>
+        </p:txBody>
+      </p:sp>
+    </p:spTree>
+    <p:extLst>
+      <p:ext uri="{BB962C8B-B14F-4D97-AF65-F5344CB8AC3E}">
+        <p14:creationId xmlns:p14="http://schemas.microsoft.com/office/powerpoint/2010/main" val="875446916"/>
+      </p:ext>
+    </p:extLst>
+  </p:cSld>
+  <p:clrMapOvr>
+    <a:masterClrMapping/>
+  </p:clrMapOvr>
+</p:sld>
+</file>
+
+<file path=ppt/slides/slide7.xml><?xml version="1.0" encoding="utf-8"?>
+<p:sld xmlns:a="http://schemas.openxmlformats.org/drawingml/2006/main" xmlns:r="http://schemas.openxmlformats.org/officeDocument/2006/relationships" xmlns:p="http://schemas.openxmlformats.org/presentationml/2006/main">
+  <p:cSld>
+    <p:spTree>
+      <p:nvGrpSpPr>
+        <p:cNvPr id="1" name=""/>
+        <p:cNvGrpSpPr/>
+        <p:nvPr/>
+      </p:nvGrpSpPr>
+      <p:grpSpPr>
+        <a:xfrm>
+          <a:off x="0" y="0"/>
+          <a:ext cx="0" cy="0"/>
+          <a:chOff x="0" y="0"/>
+          <a:chExt cx="0" cy="0"/>
+        </a:xfrm>
+      </p:grpSpPr>
+      <p:sp>
+        <p:nvSpPr>
+          <p:cNvPr id="2" name="Nadpis 1"/>
+          <p:cNvSpPr>
+            <a:spLocks noGrp="1"/>
+          </p:cNvSpPr>
+          <p:nvPr>
+            <p:ph type="title"/>
+          </p:nvPr>
+        </p:nvSpPr>
+        <p:spPr/>
+        <p:txBody>
+          <a:bodyPr/>
+          <a:lstStyle/>
+          <a:p>
+            <a:r>
               <a:rPr lang="cs-CZ" dirty="0" err="1"/>
               <a:t>Progress</a:t>
             </a:r>
@@ -13067,7 +13184,7 @@
           <a:p>
             <a:r>
               <a:rPr lang="cs-CZ" dirty="0"/>
-              <a:t>17,30- framework </a:t>
+              <a:t>17,30h- framework </a:t>
             </a:r>
             <a:r>
               <a:rPr lang="cs-CZ" dirty="0" err="1"/>
@@ -13077,6 +13194,9 @@
               <a:rPr lang="cs-CZ" dirty="0"/>
               <a:t> C, hledání objektů</a:t>
             </a:r>
+          </a:p>
+          <a:p>
+            <a:endParaRPr lang="cs-CZ" dirty="0"/>
           </a:p>
           <a:p>
             <a:endParaRPr lang="cs-CZ" dirty="0"/>
